--- a/mapa_sitio_portaldeclasedeapoyo.pptx
+++ b/mapa_sitio_portaldeclasedeapoyo.pptx
@@ -261,7 +261,7 @@
           <a:p>
             <a:fld id="{6D894473-5053-464A-A10A-2BCD4B48F14B}" type="datetimeFigureOut">
               <a:rPr lang="es-AR" smtClean="0"/>
-              <a:t>25/7/2022</a:t>
+              <a:t>3/8/2022</a:t>
             </a:fld>
             <a:endParaRPr lang="es-AR"/>
           </a:p>
@@ -461,7 +461,7 @@
           <a:p>
             <a:fld id="{6D894473-5053-464A-A10A-2BCD4B48F14B}" type="datetimeFigureOut">
               <a:rPr lang="es-AR" smtClean="0"/>
-              <a:t>25/7/2022</a:t>
+              <a:t>3/8/2022</a:t>
             </a:fld>
             <a:endParaRPr lang="es-AR"/>
           </a:p>
@@ -671,7 +671,7 @@
           <a:p>
             <a:fld id="{6D894473-5053-464A-A10A-2BCD4B48F14B}" type="datetimeFigureOut">
               <a:rPr lang="es-AR" smtClean="0"/>
-              <a:t>25/7/2022</a:t>
+              <a:t>3/8/2022</a:t>
             </a:fld>
             <a:endParaRPr lang="es-AR"/>
           </a:p>
@@ -871,7 +871,7 @@
           <a:p>
             <a:fld id="{6D894473-5053-464A-A10A-2BCD4B48F14B}" type="datetimeFigureOut">
               <a:rPr lang="es-AR" smtClean="0"/>
-              <a:t>25/7/2022</a:t>
+              <a:t>3/8/2022</a:t>
             </a:fld>
             <a:endParaRPr lang="es-AR"/>
           </a:p>
@@ -1147,7 +1147,7 @@
           <a:p>
             <a:fld id="{6D894473-5053-464A-A10A-2BCD4B48F14B}" type="datetimeFigureOut">
               <a:rPr lang="es-AR" smtClean="0"/>
-              <a:t>25/7/2022</a:t>
+              <a:t>3/8/2022</a:t>
             </a:fld>
             <a:endParaRPr lang="es-AR"/>
           </a:p>
@@ -1415,7 +1415,7 @@
           <a:p>
             <a:fld id="{6D894473-5053-464A-A10A-2BCD4B48F14B}" type="datetimeFigureOut">
               <a:rPr lang="es-AR" smtClean="0"/>
-              <a:t>25/7/2022</a:t>
+              <a:t>3/8/2022</a:t>
             </a:fld>
             <a:endParaRPr lang="es-AR"/>
           </a:p>
@@ -1830,7 +1830,7 @@
           <a:p>
             <a:fld id="{6D894473-5053-464A-A10A-2BCD4B48F14B}" type="datetimeFigureOut">
               <a:rPr lang="es-AR" smtClean="0"/>
-              <a:t>25/7/2022</a:t>
+              <a:t>3/8/2022</a:t>
             </a:fld>
             <a:endParaRPr lang="es-AR"/>
           </a:p>
@@ -1972,7 +1972,7 @@
           <a:p>
             <a:fld id="{6D894473-5053-464A-A10A-2BCD4B48F14B}" type="datetimeFigureOut">
               <a:rPr lang="es-AR" smtClean="0"/>
-              <a:t>25/7/2022</a:t>
+              <a:t>3/8/2022</a:t>
             </a:fld>
             <a:endParaRPr lang="es-AR"/>
           </a:p>
@@ -2085,7 +2085,7 @@
           <a:p>
             <a:fld id="{6D894473-5053-464A-A10A-2BCD4B48F14B}" type="datetimeFigureOut">
               <a:rPr lang="es-AR" smtClean="0"/>
-              <a:t>25/7/2022</a:t>
+              <a:t>3/8/2022</a:t>
             </a:fld>
             <a:endParaRPr lang="es-AR"/>
           </a:p>
@@ -2398,7 +2398,7 @@
           <a:p>
             <a:fld id="{6D894473-5053-464A-A10A-2BCD4B48F14B}" type="datetimeFigureOut">
               <a:rPr lang="es-AR" smtClean="0"/>
-              <a:t>25/7/2022</a:t>
+              <a:t>3/8/2022</a:t>
             </a:fld>
             <a:endParaRPr lang="es-AR"/>
           </a:p>
@@ -2687,7 +2687,7 @@
           <a:p>
             <a:fld id="{6D894473-5053-464A-A10A-2BCD4B48F14B}" type="datetimeFigureOut">
               <a:rPr lang="es-AR" smtClean="0"/>
-              <a:t>25/7/2022</a:t>
+              <a:t>3/8/2022</a:t>
             </a:fld>
             <a:endParaRPr lang="es-AR"/>
           </a:p>
@@ -2930,7 +2930,7 @@
           <a:p>
             <a:fld id="{6D894473-5053-464A-A10A-2BCD4B48F14B}" type="datetimeFigureOut">
               <a:rPr lang="es-AR" smtClean="0"/>
-              <a:t>25/7/2022</a:t>
+              <a:t>3/8/2022</a:t>
             </a:fld>
             <a:endParaRPr lang="es-AR"/>
           </a:p>
@@ -3973,7 +3973,7 @@
         <p:spPr>
           <a:xfrm>
             <a:off x="3389311" y="728989"/>
-            <a:ext cx="2706689" cy="2862322"/>
+            <a:ext cx="2706689" cy="4708981"/>
           </a:xfrm>
           <a:prstGeom prst="rect">
             <a:avLst/>
@@ -3988,6 +3988,15 @@
           <a:p>
             <a:r>
               <a:rPr lang="es-AR" sz="1200" dirty="0"/>
+              <a:t>Inicio con listado de clases de apoyo.</a:t>
+            </a:r>
+          </a:p>
+          <a:p>
+            <a:endParaRPr lang="es-AR" sz="1200" dirty="0"/>
+          </a:p>
+          <a:p>
+            <a:r>
+              <a:rPr lang="es-AR" sz="1200" dirty="0"/>
               <a:t>Búsqueda de servicios (por tipo y por proveedor/usuario)</a:t>
             </a:r>
           </a:p>
@@ -3997,7 +4006,7 @@
           <a:p>
             <a:r>
               <a:rPr lang="es-AR" sz="1200" dirty="0"/>
-              <a:t>Ver listas de servicios</a:t>
+              <a:t>Ver detalle de servicio</a:t>
             </a:r>
           </a:p>
           <a:p>
@@ -4006,8 +4015,70 @@
           <a:p>
             <a:r>
               <a:rPr lang="es-AR" sz="1200" dirty="0"/>
-              <a:t>Ver detalle de servicio</a:t>
-            </a:r>
+              <a:t>Crear usuario</a:t>
+            </a:r>
+          </a:p>
+          <a:p>
+            <a:endParaRPr lang="es-AR" sz="1200" dirty="0"/>
+          </a:p>
+          <a:p>
+            <a:r>
+              <a:rPr lang="es-AR" sz="1200" dirty="0"/>
+              <a:t>Ver detalle y editar usuario</a:t>
+            </a:r>
+          </a:p>
+          <a:p>
+            <a:endParaRPr lang="es-AR" sz="1200" dirty="0"/>
+          </a:p>
+          <a:p>
+            <a:r>
+              <a:rPr lang="es-AR" sz="1200" dirty="0"/>
+              <a:t>Borrar usuario</a:t>
+            </a:r>
+          </a:p>
+          <a:p>
+            <a:endParaRPr lang="es-AR" sz="1200" dirty="0"/>
+          </a:p>
+          <a:p>
+            <a:r>
+              <a:rPr lang="es-AR" sz="1200" dirty="0"/>
+              <a:t>Con </a:t>
+            </a:r>
+            <a:r>
+              <a:rPr lang="es-AR" sz="1200" dirty="0" err="1"/>
+              <a:t>login</a:t>
+            </a:r>
+            <a:r>
+              <a:rPr lang="es-AR" sz="1200" dirty="0"/>
+              <a:t> del USUARIO:</a:t>
+            </a:r>
+          </a:p>
+          <a:p>
+            <a:r>
+              <a:rPr lang="es-AR" sz="1200" dirty="0"/>
+              <a:t>	crear aviso, </a:t>
+            </a:r>
+          </a:p>
+          <a:p>
+            <a:r>
+              <a:rPr lang="es-AR" sz="1200" dirty="0"/>
+              <a:t>	modificar aviso</a:t>
+            </a:r>
+          </a:p>
+          <a:p>
+            <a:r>
+              <a:rPr lang="es-AR" sz="1200" dirty="0"/>
+              <a:t>	eliminar anuncios.</a:t>
+            </a:r>
+          </a:p>
+          <a:p>
+            <a:r>
+              <a:rPr lang="es-AR" sz="1200" dirty="0"/>
+              <a:t>	listado de avisos creados por el usuario</a:t>
+            </a:r>
+          </a:p>
+          <a:p>
+            <a:endParaRPr lang="es-AR" sz="1200" dirty="0"/>
           </a:p>
           <a:p>
             <a:endParaRPr lang="es-AR" sz="1200" dirty="0"/>
@@ -4032,27 +4103,21 @@
           </a:p>
           <a:p>
             <a:r>
-              <a:rPr lang="es-AR" sz="1200" dirty="0"/>
-              <a:t>Ver usuarios (para administrador)</a:t>
-            </a:r>
-          </a:p>
-          <a:p>
+              <a:rPr lang="es-AR" sz="1200" dirty="0" err="1"/>
+              <a:t>Contact</a:t>
+            </a:r>
+            <a:r>
+              <a:rPr lang="es-AR" sz="1200" dirty="0"/>
+              <a:t> </a:t>
+            </a:r>
+            <a:r>
+              <a:rPr lang="es-AR" sz="1200" dirty="0" err="1"/>
+              <a:t>us</a:t>
+            </a:r>
             <a:endParaRPr lang="es-AR" sz="1200" dirty="0"/>
           </a:p>
           <a:p>
-            <a:r>
-              <a:rPr lang="es-AR" sz="1200" dirty="0"/>
-              <a:t>Crear, ver detalle, modificar y eliminar usuarios</a:t>
-            </a:r>
-          </a:p>
-          <a:p>
             <a:endParaRPr lang="es-AR" sz="1200" dirty="0"/>
-          </a:p>
-          <a:p>
-            <a:r>
-              <a:rPr lang="es-AR" sz="1200" dirty="0"/>
-              <a:t>Crear, modificar y eliminar anuncios.</a:t>
-            </a:r>
           </a:p>
         </p:txBody>
       </p:sp>
@@ -4071,7 +4136,7 @@
         <p:spPr>
           <a:xfrm>
             <a:off x="370126" y="590489"/>
-            <a:ext cx="2706689" cy="4893647"/>
+            <a:ext cx="2706689" cy="6924973"/>
           </a:xfrm>
           <a:prstGeom prst="rect">
             <a:avLst/>
@@ -4098,16 +4163,62 @@
           <a:p>
             <a:r>
               <a:rPr lang="es-AR" sz="1200" dirty="0"/>
-              <a:t>donde se </a:t>
-            </a:r>
-            <a:r>
-              <a:rPr lang="es-AR" sz="1200" dirty="0" err="1"/>
-              <a:t>puden</a:t>
-            </a:r>
-            <a:r>
-              <a:rPr lang="es-AR" sz="1200" dirty="0"/>
-              <a:t> ver la lista de los servicios y un link a: buscador y área de usuarios, </a:t>
-            </a:r>
+              <a:t>la lista de los servicios – </a:t>
+            </a:r>
+            <a:r>
+              <a:rPr lang="es-AR" sz="1200" dirty="0">
+                <a:highlight>
+                  <a:srgbClr val="FFFF00"/>
+                </a:highlight>
+              </a:rPr>
+              <a:t>acomodar formato.</a:t>
+            </a:r>
+          </a:p>
+          <a:p>
+            <a:r>
+              <a:rPr lang="es-AR" sz="1200" dirty="0"/>
+              <a:t>buscador </a:t>
+            </a:r>
+            <a:r>
+              <a:rPr lang="es-AR" sz="1200" dirty="0">
+                <a:highlight>
+                  <a:srgbClr val="FFFF00"/>
+                </a:highlight>
+              </a:rPr>
+              <a:t>no funciona aun.</a:t>
+            </a:r>
+            <a:endParaRPr lang="es-AR" sz="1200" dirty="0"/>
+          </a:p>
+          <a:p>
+            <a:r>
+              <a:rPr lang="es-AR" sz="1200" dirty="0"/>
+              <a:t>link a área de usuarios </a:t>
+            </a:r>
+            <a:r>
+              <a:rPr lang="es-AR" sz="1200" dirty="0">
+                <a:highlight>
+                  <a:srgbClr val="FFFF00"/>
+                </a:highlight>
+              </a:rPr>
+              <a:t>no funciona aun.</a:t>
+            </a:r>
+            <a:endParaRPr lang="es-AR" sz="1200" dirty="0"/>
+          </a:p>
+          <a:p>
+            <a:r>
+              <a:rPr lang="es-AR" sz="1200" dirty="0"/>
+              <a:t>contacto </a:t>
+            </a:r>
+            <a:r>
+              <a:rPr lang="es-AR" sz="1200" dirty="0">
+                <a:highlight>
+                  <a:srgbClr val="00FF00"/>
+                </a:highlight>
+              </a:rPr>
+              <a:t>ok</a:t>
+            </a:r>
+          </a:p>
+          <a:p>
             <a:r>
               <a:rPr lang="es-AR" sz="1200" dirty="0" err="1"/>
               <a:t>About</a:t>
@@ -4122,8 +4233,17 @@
             </a:r>
             <a:r>
               <a:rPr lang="es-AR" sz="1200" dirty="0"/>
-              <a:t>..</a:t>
-            </a:r>
+              <a:t>. </a:t>
+            </a:r>
+            <a:r>
+              <a:rPr lang="es-AR" sz="1200" dirty="0">
+                <a:highlight>
+                  <a:srgbClr val="00FF00"/>
+                </a:highlight>
+              </a:rPr>
+              <a:t>ok</a:t>
+            </a:r>
+            <a:endParaRPr lang="es-AR" sz="1200" dirty="0"/>
           </a:p>
           <a:p>
             <a:endParaRPr lang="es-AR" sz="1200" dirty="0"/>
@@ -4137,8 +4257,19 @@
           <a:p>
             <a:r>
               <a:rPr lang="es-AR" sz="1200" dirty="0"/>
-              <a:t>Ver detalle del servicio</a:t>
-            </a:r>
+              <a:t>Ver detalle del servicio  </a:t>
+            </a:r>
+            <a:r>
+              <a:rPr lang="es-AR" sz="1200" dirty="0">
+                <a:highlight>
+                  <a:srgbClr val="FFFF00"/>
+                </a:highlight>
+              </a:rPr>
+              <a:t>acomodar formato.</a:t>
+            </a:r>
+          </a:p>
+          <a:p>
+            <a:endParaRPr lang="es-AR" sz="1200" dirty="0"/>
           </a:p>
           <a:p>
             <a:endParaRPr lang="es-AR" sz="1200" dirty="0"/>
@@ -4163,6 +4294,15 @@
           <a:p>
             <a:r>
               <a:rPr lang="es-AR" sz="1200" dirty="0"/>
+              <a:t>Crear usuario</a:t>
+            </a:r>
+          </a:p>
+          <a:p>
+            <a:endParaRPr lang="es-AR" sz="1200" dirty="0"/>
+          </a:p>
+          <a:p>
+            <a:r>
+              <a:rPr lang="es-AR" sz="1200" dirty="0"/>
               <a:t>Ver listado de usuarios (solo para administrador)</a:t>
             </a:r>
           </a:p>
@@ -4181,7 +4321,7 @@
           <a:p>
             <a:r>
               <a:rPr lang="es-AR" sz="1200" dirty="0"/>
-              <a:t>Crear usuario</a:t>
+              <a:t>Ver detalle, modificar y eliminar usuario</a:t>
             </a:r>
           </a:p>
           <a:p>
@@ -4190,16 +4330,13 @@
           <a:p>
             <a:r>
               <a:rPr lang="es-AR" sz="1200" dirty="0"/>
-              <a:t>Ver detalle, modificar y eliminar usuario</a:t>
-            </a:r>
-          </a:p>
-          <a:p>
-            <a:endParaRPr lang="es-AR" sz="1200" dirty="0"/>
-          </a:p>
-          <a:p>
-            <a:r>
-              <a:rPr lang="es-AR" sz="1200" dirty="0"/>
-              <a:t>Crear, modificar y eliminar anuncio.</a:t>
+              <a:t>Crear aviso</a:t>
+            </a:r>
+          </a:p>
+          <a:p>
+            <a:r>
+              <a:rPr lang="es-AR" sz="1200" dirty="0"/>
+              <a:t>Modificar y eliminar aviso.</a:t>
             </a:r>
           </a:p>
           <a:p>
@@ -4227,7 +4364,41 @@
             </a:r>
             <a:r>
               <a:rPr lang="es-AR" sz="1200" dirty="0"/>
-              <a:t> de los autores del sitio</a:t>
+              <a:t> de los autores del sitio  </a:t>
+            </a:r>
+            <a:r>
+              <a:rPr lang="es-AR" sz="1200" dirty="0">
+                <a:highlight>
+                  <a:srgbClr val="FFFF00"/>
+                </a:highlight>
+              </a:rPr>
+              <a:t>Desarrollar texto.</a:t>
+            </a:r>
+          </a:p>
+          <a:p>
+            <a:endParaRPr lang="es-AR" sz="1200" dirty="0"/>
+          </a:p>
+          <a:p>
+            <a:endParaRPr lang="es-AR" sz="1200" dirty="0"/>
+          </a:p>
+          <a:p>
+            <a:r>
+              <a:rPr lang="es-AR" sz="1200" b="1" u="sng" dirty="0"/>
+              <a:t>Contacto</a:t>
+            </a:r>
+          </a:p>
+          <a:p>
+            <a:r>
+              <a:rPr lang="es-AR" sz="1200" dirty="0"/>
+              <a:t>Planilla de contacto </a:t>
+            </a:r>
+            <a:r>
+              <a:rPr lang="es-AR" sz="1200" dirty="0">
+                <a:highlight>
+                  <a:srgbClr val="00FF00"/>
+                </a:highlight>
+              </a:rPr>
+              <a:t>ok</a:t>
             </a:r>
           </a:p>
         </p:txBody>

--- a/mapa_sitio_portaldeclasedeapoyo.pptx
+++ b/mapa_sitio_portaldeclasedeapoyo.pptx
@@ -261,7 +261,7 @@
           <a:p>
             <a:fld id="{6D894473-5053-464A-A10A-2BCD4B48F14B}" type="datetimeFigureOut">
               <a:rPr lang="es-AR" smtClean="0"/>
-              <a:t>3/8/2022</a:t>
+              <a:t>5/8/2022</a:t>
             </a:fld>
             <a:endParaRPr lang="es-AR"/>
           </a:p>
@@ -461,7 +461,7 @@
           <a:p>
             <a:fld id="{6D894473-5053-464A-A10A-2BCD4B48F14B}" type="datetimeFigureOut">
               <a:rPr lang="es-AR" smtClean="0"/>
-              <a:t>3/8/2022</a:t>
+              <a:t>5/8/2022</a:t>
             </a:fld>
             <a:endParaRPr lang="es-AR"/>
           </a:p>
@@ -671,7 +671,7 @@
           <a:p>
             <a:fld id="{6D894473-5053-464A-A10A-2BCD4B48F14B}" type="datetimeFigureOut">
               <a:rPr lang="es-AR" smtClean="0"/>
-              <a:t>3/8/2022</a:t>
+              <a:t>5/8/2022</a:t>
             </a:fld>
             <a:endParaRPr lang="es-AR"/>
           </a:p>
@@ -871,7 +871,7 @@
           <a:p>
             <a:fld id="{6D894473-5053-464A-A10A-2BCD4B48F14B}" type="datetimeFigureOut">
               <a:rPr lang="es-AR" smtClean="0"/>
-              <a:t>3/8/2022</a:t>
+              <a:t>5/8/2022</a:t>
             </a:fld>
             <a:endParaRPr lang="es-AR"/>
           </a:p>
@@ -1147,7 +1147,7 @@
           <a:p>
             <a:fld id="{6D894473-5053-464A-A10A-2BCD4B48F14B}" type="datetimeFigureOut">
               <a:rPr lang="es-AR" smtClean="0"/>
-              <a:t>3/8/2022</a:t>
+              <a:t>5/8/2022</a:t>
             </a:fld>
             <a:endParaRPr lang="es-AR"/>
           </a:p>
@@ -1415,7 +1415,7 @@
           <a:p>
             <a:fld id="{6D894473-5053-464A-A10A-2BCD4B48F14B}" type="datetimeFigureOut">
               <a:rPr lang="es-AR" smtClean="0"/>
-              <a:t>3/8/2022</a:t>
+              <a:t>5/8/2022</a:t>
             </a:fld>
             <a:endParaRPr lang="es-AR"/>
           </a:p>
@@ -1830,7 +1830,7 @@
           <a:p>
             <a:fld id="{6D894473-5053-464A-A10A-2BCD4B48F14B}" type="datetimeFigureOut">
               <a:rPr lang="es-AR" smtClean="0"/>
-              <a:t>3/8/2022</a:t>
+              <a:t>5/8/2022</a:t>
             </a:fld>
             <a:endParaRPr lang="es-AR"/>
           </a:p>
@@ -1972,7 +1972,7 @@
           <a:p>
             <a:fld id="{6D894473-5053-464A-A10A-2BCD4B48F14B}" type="datetimeFigureOut">
               <a:rPr lang="es-AR" smtClean="0"/>
-              <a:t>3/8/2022</a:t>
+              <a:t>5/8/2022</a:t>
             </a:fld>
             <a:endParaRPr lang="es-AR"/>
           </a:p>
@@ -2085,7 +2085,7 @@
           <a:p>
             <a:fld id="{6D894473-5053-464A-A10A-2BCD4B48F14B}" type="datetimeFigureOut">
               <a:rPr lang="es-AR" smtClean="0"/>
-              <a:t>3/8/2022</a:t>
+              <a:t>5/8/2022</a:t>
             </a:fld>
             <a:endParaRPr lang="es-AR"/>
           </a:p>
@@ -2398,7 +2398,7 @@
           <a:p>
             <a:fld id="{6D894473-5053-464A-A10A-2BCD4B48F14B}" type="datetimeFigureOut">
               <a:rPr lang="es-AR" smtClean="0"/>
-              <a:t>3/8/2022</a:t>
+              <a:t>5/8/2022</a:t>
             </a:fld>
             <a:endParaRPr lang="es-AR"/>
           </a:p>
@@ -2687,7 +2687,7 @@
           <a:p>
             <a:fld id="{6D894473-5053-464A-A10A-2BCD4B48F14B}" type="datetimeFigureOut">
               <a:rPr lang="es-AR" smtClean="0"/>
-              <a:t>3/8/2022</a:t>
+              <a:t>5/8/2022</a:t>
             </a:fld>
             <a:endParaRPr lang="es-AR"/>
           </a:p>
@@ -2930,7 +2930,7 @@
           <a:p>
             <a:fld id="{6D894473-5053-464A-A10A-2BCD4B48F14B}" type="datetimeFigureOut">
               <a:rPr lang="es-AR" smtClean="0"/>
-              <a:t>3/8/2022</a:t>
+              <a:t>5/8/2022</a:t>
             </a:fld>
             <a:endParaRPr lang="es-AR"/>
           </a:p>
@@ -4136,7 +4136,7 @@
         <p:spPr>
           <a:xfrm>
             <a:off x="370126" y="590489"/>
-            <a:ext cx="2706689" cy="6924973"/>
+            <a:ext cx="2706689" cy="9156353"/>
           </a:xfrm>
           <a:prstGeom prst="rect">
             <a:avLst/>
@@ -4150,23 +4150,186 @@
           <a:lstStyle/>
           <a:p>
             <a:r>
-              <a:rPr lang="es-AR" sz="1200" b="1" u="sng" dirty="0"/>
-              <a:t>Inicio </a:t>
-            </a:r>
-          </a:p>
-          <a:p>
-            <a:r>
-              <a:rPr lang="es-AR" sz="1200" dirty="0"/>
+              <a:rPr lang="es-AR" sz="1050" b="1" u="sng" dirty="0"/>
+              <a:t>Inicio</a:t>
+            </a:r>
+          </a:p>
+          <a:p>
+            <a:r>
+              <a:rPr lang="es-AR" sz="1050" dirty="0"/>
               <a:t>Mensaje de bienvenida</a:t>
             </a:r>
           </a:p>
           <a:p>
             <a:r>
-              <a:rPr lang="es-AR" sz="1200" dirty="0"/>
+              <a:rPr lang="es-AR" sz="1050" dirty="0"/>
               <a:t>la lista de los servicios – </a:t>
             </a:r>
             <a:r>
-              <a:rPr lang="es-AR" sz="1200" dirty="0">
+              <a:rPr lang="es-AR" sz="1050" dirty="0">
+                <a:highlight>
+                  <a:srgbClr val="00FF00"/>
+                </a:highlight>
+              </a:rPr>
+              <a:t>ok</a:t>
+            </a:r>
+          </a:p>
+          <a:p>
+            <a:r>
+              <a:rPr lang="es-AR" sz="1050" dirty="0"/>
+              <a:t>buscador </a:t>
+            </a:r>
+            <a:r>
+              <a:rPr lang="es-AR" sz="1050" dirty="0">
+                <a:highlight>
+                  <a:srgbClr val="00FF00"/>
+                </a:highlight>
+              </a:rPr>
+              <a:t>ok</a:t>
+            </a:r>
+          </a:p>
+          <a:p>
+            <a:r>
+              <a:rPr lang="es-AR" sz="1050" dirty="0"/>
+              <a:t>link a área de usuarios </a:t>
+            </a:r>
+            <a:r>
+              <a:rPr lang="es-AR" sz="1050" dirty="0">
+                <a:highlight>
+                  <a:srgbClr val="00FF00"/>
+                </a:highlight>
+              </a:rPr>
+              <a:t>ok.</a:t>
+            </a:r>
+          </a:p>
+          <a:p>
+            <a:r>
+              <a:rPr lang="en-US" sz="1050" dirty="0">
+                <a:highlight>
+                  <a:srgbClr val="00FF00"/>
+                </a:highlight>
+              </a:rPr>
+              <a:t>path("login/", </a:t>
+            </a:r>
+            <a:r>
+              <a:rPr lang="en-US" sz="1050" dirty="0" err="1">
+                <a:highlight>
+                  <a:srgbClr val="00FF00"/>
+                </a:highlight>
+              </a:rPr>
+              <a:t>UsuarioLogin.as_view</a:t>
+            </a:r>
+            <a:r>
+              <a:rPr lang="en-US" sz="1050" dirty="0">
+                <a:highlight>
+                  <a:srgbClr val="00FF00"/>
+                </a:highlight>
+              </a:rPr>
+              <a:t>(), name="login")</a:t>
+            </a:r>
+            <a:endParaRPr lang="es-AR" sz="1050" dirty="0">
+              <a:highlight>
+                <a:srgbClr val="00FF00"/>
+              </a:highlight>
+            </a:endParaRPr>
+          </a:p>
+          <a:p>
+            <a:r>
+              <a:rPr lang="es-AR" sz="1050" dirty="0"/>
+              <a:t>contacto </a:t>
+            </a:r>
+            <a:r>
+              <a:rPr lang="es-AR" sz="1050" dirty="0">
+                <a:highlight>
+                  <a:srgbClr val="00FF00"/>
+                </a:highlight>
+              </a:rPr>
+              <a:t>ok</a:t>
+            </a:r>
+          </a:p>
+          <a:p>
+            <a:r>
+              <a:rPr lang="es-AR" sz="1050" dirty="0" err="1"/>
+              <a:t>About</a:t>
+            </a:r>
+            <a:r>
+              <a:rPr lang="es-AR" sz="1050" dirty="0"/>
+              <a:t> </a:t>
+            </a:r>
+            <a:r>
+              <a:rPr lang="es-AR" sz="1050" dirty="0" err="1"/>
+              <a:t>us</a:t>
+            </a:r>
+            <a:r>
+              <a:rPr lang="es-AR" sz="1050" dirty="0"/>
+              <a:t> </a:t>
+            </a:r>
+            <a:r>
+              <a:rPr lang="es-AR" sz="1050" dirty="0">
+                <a:highlight>
+                  <a:srgbClr val="00FF00"/>
+                </a:highlight>
+              </a:rPr>
+              <a:t>ok</a:t>
+            </a:r>
+          </a:p>
+          <a:p>
+            <a:endParaRPr lang="es-AR" sz="1050" dirty="0">
+              <a:highlight>
+                <a:srgbClr val="00FF00"/>
+              </a:highlight>
+            </a:endParaRPr>
+          </a:p>
+          <a:p>
+            <a:r>
+              <a:rPr lang="es-AR" sz="1050" b="1" dirty="0" err="1"/>
+              <a:t>path</a:t>
+            </a:r>
+            <a:r>
+              <a:rPr lang="es-AR" sz="1050" b="1" dirty="0"/>
+              <a:t>('', </a:t>
+            </a:r>
+            <a:r>
+              <a:rPr lang="es-AR" sz="1050" b="1" dirty="0" err="1"/>
+              <a:t>MainPageView</a:t>
+            </a:r>
+            <a:r>
+              <a:rPr lang="es-AR" sz="1050" b="1" dirty="0"/>
+              <a:t>, </a:t>
+            </a:r>
+            <a:r>
+              <a:rPr lang="es-AR" sz="1050" b="1" dirty="0" err="1"/>
+              <a:t>name</a:t>
+            </a:r>
+            <a:r>
+              <a:rPr lang="es-AR" sz="1050" b="1" dirty="0"/>
+              <a:t>="</a:t>
+            </a:r>
+            <a:r>
+              <a:rPr lang="es-AR" sz="1050" b="1" dirty="0" err="1"/>
+              <a:t>index</a:t>
+            </a:r>
+            <a:r>
+              <a:rPr lang="es-AR" sz="1050" b="1" dirty="0"/>
+              <a:t>")</a:t>
+            </a:r>
+          </a:p>
+          <a:p>
+            <a:endParaRPr lang="es-AR" sz="1050" b="1" u="sng" dirty="0"/>
+          </a:p>
+          <a:p>
+            <a:r>
+              <a:rPr lang="es-AR" sz="1050" b="1" u="sng" dirty="0"/>
+              <a:t>Anuncio </a:t>
+            </a:r>
+          </a:p>
+          <a:p>
+            <a:r>
+              <a:rPr lang="es-AR" sz="1050" dirty="0"/>
+              <a:t>Ver detalle del servicio  </a:t>
+            </a:r>
+            <a:r>
+              <a:rPr lang="es-AR" sz="1050" dirty="0">
                 <a:highlight>
                   <a:srgbClr val="FFFF00"/>
                 </a:highlight>
@@ -4175,42 +4338,484 @@
             </a:r>
           </a:p>
           <a:p>
-            <a:r>
-              <a:rPr lang="es-AR" sz="1200" dirty="0"/>
-              <a:t>buscador </a:t>
-            </a:r>
-            <a:r>
-              <a:rPr lang="es-AR" sz="1200" dirty="0">
+            <a:endParaRPr lang="es-AR" sz="1050" dirty="0"/>
+          </a:p>
+          <a:p>
+            <a:r>
+              <a:rPr lang="es-AR" sz="700" b="1" dirty="0" err="1"/>
+              <a:t>path</a:t>
+            </a:r>
+            <a:r>
+              <a:rPr lang="es-AR" sz="700" b="1" dirty="0"/>
+              <a:t>('anuncio/&lt;</a:t>
+            </a:r>
+            <a:r>
+              <a:rPr lang="es-AR" sz="700" b="1" dirty="0" err="1"/>
+              <a:t>pk</a:t>
+            </a:r>
+            <a:r>
+              <a:rPr lang="es-AR" sz="700" b="1" dirty="0"/>
+              <a:t>&gt;/', </a:t>
+            </a:r>
+            <a:r>
+              <a:rPr lang="es-AR" sz="700" b="1" dirty="0" err="1"/>
+              <a:t>AnuncioDetailView.as_view</a:t>
+            </a:r>
+            <a:r>
+              <a:rPr lang="es-AR" sz="700" b="1" dirty="0"/>
+              <a:t>(), </a:t>
+            </a:r>
+            <a:r>
+              <a:rPr lang="es-AR" sz="700" b="1" dirty="0" err="1"/>
+              <a:t>name</a:t>
+            </a:r>
+            <a:r>
+              <a:rPr lang="es-AR" sz="700" b="1" dirty="0"/>
+              <a:t>='anuncio-detalle')</a:t>
+            </a:r>
+          </a:p>
+          <a:p>
+            <a:endParaRPr lang="es-AR" sz="1050" dirty="0"/>
+          </a:p>
+          <a:p>
+            <a:r>
+              <a:rPr lang="es-AR" sz="1050" b="1" u="sng" dirty="0"/>
+              <a:t>Área de usuarios  (requiere </a:t>
+            </a:r>
+            <a:r>
+              <a:rPr lang="es-AR" sz="1050" b="1" u="sng" dirty="0" err="1"/>
+              <a:t>login</a:t>
+            </a:r>
+            <a:r>
+              <a:rPr lang="es-AR" sz="1050" b="1" u="sng" dirty="0"/>
+              <a:t>)</a:t>
+            </a:r>
+          </a:p>
+          <a:p>
+            <a:endParaRPr lang="es-AR" sz="1050" dirty="0"/>
+          </a:p>
+          <a:p>
+            <a:r>
+              <a:rPr lang="es-AR" sz="1050" dirty="0">
                 <a:highlight>
                   <a:srgbClr val="FFFF00"/>
                 </a:highlight>
               </a:rPr>
-              <a:t>no funciona aun.</a:t>
-            </a:r>
-            <a:endParaRPr lang="es-AR" sz="1200" dirty="0"/>
-          </a:p>
-          <a:p>
-            <a:r>
-              <a:rPr lang="es-AR" sz="1200" dirty="0"/>
-              <a:t>link a área de usuarios </a:t>
-            </a:r>
-            <a:r>
-              <a:rPr lang="es-AR" sz="1200" dirty="0">
+              <a:t>Crear usuario</a:t>
+            </a:r>
+            <a:endParaRPr lang="es-AR" sz="1200" dirty="0">
+              <a:highlight>
+                <a:srgbClr val="FFFF00"/>
+              </a:highlight>
+            </a:endParaRPr>
+          </a:p>
+          <a:p>
+            <a:r>
+              <a:rPr lang="en-US" sz="800" b="1" dirty="0"/>
+              <a:t>path('</a:t>
+            </a:r>
+            <a:r>
+              <a:rPr lang="en-US" sz="800" b="1" dirty="0" err="1"/>
+              <a:t>registro</a:t>
+            </a:r>
+            <a:r>
+              <a:rPr lang="en-US" sz="800" b="1" dirty="0"/>
+              <a:t>/', </a:t>
+            </a:r>
+            <a:r>
+              <a:rPr lang="en-US" sz="800" b="1" dirty="0" err="1"/>
+              <a:t>RegistroUsuario.as_view</a:t>
+            </a:r>
+            <a:r>
+              <a:rPr lang="en-US" sz="800" b="1" dirty="0"/>
+              <a:t>(), name="</a:t>
+            </a:r>
+            <a:r>
+              <a:rPr lang="en-US" sz="800" b="1" dirty="0" err="1"/>
+              <a:t>Registro</a:t>
+            </a:r>
+            <a:r>
+              <a:rPr lang="en-US" sz="800" b="1" dirty="0"/>
+              <a:t>")</a:t>
+            </a:r>
+            <a:endParaRPr lang="es-AR" sz="800" b="1" dirty="0"/>
+          </a:p>
+          <a:p>
+            <a:r>
+              <a:rPr lang="es-AR" sz="1050" dirty="0"/>
+              <a:t>Ver listado detallado de anuncios del usuario. </a:t>
+            </a:r>
+            <a:r>
+              <a:rPr lang="es-AR" sz="1050" dirty="0">
+                <a:highlight>
+                  <a:srgbClr val="00FF00"/>
+                </a:highlight>
+              </a:rPr>
+              <a:t>Ok</a:t>
+            </a:r>
+          </a:p>
+          <a:p>
+            <a:r>
+              <a:rPr lang="en-US" sz="900" b="1" dirty="0"/>
+              <a:t>path('</a:t>
+            </a:r>
+            <a:r>
+              <a:rPr lang="en-US" sz="900" b="1" dirty="0" err="1"/>
+              <a:t>usuario</a:t>
+            </a:r>
+            <a:r>
+              <a:rPr lang="en-US" sz="900" b="1" dirty="0"/>
+              <a:t>/&lt;pk&gt;', </a:t>
+            </a:r>
+            <a:r>
+              <a:rPr lang="en-US" sz="900" b="1" dirty="0" err="1"/>
+              <a:t>PanelUsuario.as_view</a:t>
+            </a:r>
+            <a:r>
+              <a:rPr lang="en-US" sz="900" b="1" dirty="0"/>
+              <a:t>(), name="</a:t>
+            </a:r>
+            <a:r>
+              <a:rPr lang="en-US" sz="900" b="1" dirty="0" err="1"/>
+              <a:t>perfil</a:t>
+            </a:r>
+            <a:r>
+              <a:rPr lang="en-US" sz="900" b="1" dirty="0"/>
+              <a:t>")</a:t>
+            </a:r>
+            <a:endParaRPr lang="es-AR" sz="900" b="1" dirty="0"/>
+          </a:p>
+          <a:p>
+            <a:endParaRPr lang="es-AR" sz="1050" dirty="0"/>
+          </a:p>
+          <a:p>
+            <a:r>
+              <a:rPr lang="es-AR" sz="1050" dirty="0">
+                <a:highlight>
+                  <a:srgbClr val="FF0000"/>
+                </a:highlight>
+              </a:rPr>
+              <a:t>Ver detalle usuario</a:t>
+            </a:r>
+          </a:p>
+          <a:p>
+            <a:endParaRPr lang="es-AR" sz="1050" dirty="0">
+              <a:highlight>
+                <a:srgbClr val="FFFF00"/>
+              </a:highlight>
+            </a:endParaRPr>
+          </a:p>
+          <a:p>
+            <a:r>
+              <a:rPr lang="es-AR" sz="1050" dirty="0">
                 <a:highlight>
                   <a:srgbClr val="FFFF00"/>
                 </a:highlight>
               </a:rPr>
-              <a:t>no funciona aun.</a:t>
-            </a:r>
-            <a:endParaRPr lang="es-AR" sz="1200" dirty="0"/>
-          </a:p>
-          <a:p>
-            <a:r>
-              <a:rPr lang="es-AR" sz="1200" dirty="0"/>
-              <a:t>contacto </a:t>
-            </a:r>
-            <a:r>
-              <a:rPr lang="es-AR" sz="1200" dirty="0">
+              <a:t>modificar usuario </a:t>
+            </a:r>
+          </a:p>
+          <a:p>
+            <a:r>
+              <a:rPr lang="en-US" sz="1050" b="1" dirty="0"/>
+              <a:t>path("</a:t>
+            </a:r>
+            <a:r>
+              <a:rPr lang="en-US" sz="1050" b="1" dirty="0" err="1"/>
+              <a:t>usuario</a:t>
+            </a:r>
+            <a:r>
+              <a:rPr lang="en-US" sz="1050" b="1" dirty="0"/>
+              <a:t>/&lt;pk&gt;/edit", </a:t>
+            </a:r>
+            <a:r>
+              <a:rPr lang="en-US" sz="1050" b="1" dirty="0" err="1"/>
+              <a:t>profile_update</a:t>
+            </a:r>
+            <a:r>
+              <a:rPr lang="en-US" sz="1050" b="1" dirty="0"/>
+              <a:t>, name="</a:t>
+            </a:r>
+            <a:r>
+              <a:rPr lang="en-US" sz="1050" b="1" dirty="0" err="1"/>
+              <a:t>usuario</a:t>
+            </a:r>
+            <a:r>
+              <a:rPr lang="en-US" sz="1050" b="1" dirty="0"/>
+              <a:t>-update"</a:t>
+            </a:r>
+            <a:endParaRPr lang="es-AR" sz="1050" b="1" dirty="0"/>
+          </a:p>
+          <a:p>
+            <a:endParaRPr lang="es-AR" sz="1050" dirty="0">
+              <a:highlight>
+                <a:srgbClr val="FF0000"/>
+              </a:highlight>
+            </a:endParaRPr>
+          </a:p>
+          <a:p>
+            <a:r>
+              <a:rPr lang="es-AR" sz="1050" dirty="0">
+                <a:highlight>
+                  <a:srgbClr val="FF0000"/>
+                </a:highlight>
+              </a:rPr>
+              <a:t>eliminar usuario</a:t>
+            </a:r>
+          </a:p>
+          <a:p>
+            <a:endParaRPr lang="es-AR" sz="1050" dirty="0"/>
+          </a:p>
+          <a:p>
+            <a:r>
+              <a:rPr lang="es-AR" sz="1050" dirty="0">
+                <a:highlight>
+                  <a:srgbClr val="FFFF00"/>
+                </a:highlight>
+              </a:rPr>
+              <a:t>Crear aviso</a:t>
+            </a:r>
+          </a:p>
+          <a:p>
+            <a:r>
+              <a:rPr lang="es-AR" sz="800" b="1" dirty="0" err="1"/>
+              <a:t>path</a:t>
+            </a:r>
+            <a:r>
+              <a:rPr lang="es-AR" sz="800" b="1" dirty="0"/>
+              <a:t>('anuncio/</a:t>
+            </a:r>
+            <a:r>
+              <a:rPr lang="es-AR" sz="800" b="1" dirty="0" err="1"/>
+              <a:t>create</a:t>
+            </a:r>
+            <a:r>
+              <a:rPr lang="es-AR" sz="800" b="1" dirty="0"/>
+              <a:t>', </a:t>
+            </a:r>
+            <a:r>
+              <a:rPr lang="es-AR" sz="800" b="1" dirty="0" err="1"/>
+              <a:t>AnuncioCreateView.as_view</a:t>
+            </a:r>
+            <a:r>
+              <a:rPr lang="es-AR" sz="800" b="1" dirty="0"/>
+              <a:t>(), </a:t>
+            </a:r>
+            <a:r>
+              <a:rPr lang="es-AR" sz="800" b="1" dirty="0" err="1"/>
+              <a:t>name</a:t>
+            </a:r>
+            <a:r>
+              <a:rPr lang="es-AR" sz="800" b="1" dirty="0"/>
+              <a:t> ="anuncio-</a:t>
+            </a:r>
+            <a:r>
+              <a:rPr lang="es-AR" sz="800" b="1" dirty="0" err="1"/>
+              <a:t>create</a:t>
+            </a:r>
+            <a:r>
+              <a:rPr lang="es-AR" sz="800" b="1" dirty="0"/>
+              <a:t>" ),</a:t>
+            </a:r>
+          </a:p>
+          <a:p>
+            <a:endParaRPr lang="es-AR" sz="1050" dirty="0">
+              <a:highlight>
+                <a:srgbClr val="FFFF00"/>
+              </a:highlight>
+            </a:endParaRPr>
+          </a:p>
+          <a:p>
+            <a:endParaRPr lang="es-AR" sz="1050" dirty="0">
+              <a:highlight>
+                <a:srgbClr val="FFFF00"/>
+              </a:highlight>
+            </a:endParaRPr>
+          </a:p>
+          <a:p>
+            <a:r>
+              <a:rPr lang="es-AR" sz="1050" dirty="0">
+                <a:highlight>
+                  <a:srgbClr val="FFFF00"/>
+                </a:highlight>
+              </a:rPr>
+              <a:t>Modificar aviso </a:t>
+            </a:r>
+          </a:p>
+          <a:p>
+            <a:r>
+              <a:rPr lang="es-AR" sz="1050" b="1" dirty="0" err="1"/>
+              <a:t>path</a:t>
+            </a:r>
+            <a:r>
+              <a:rPr lang="es-AR" sz="1050" b="1" dirty="0"/>
+              <a:t>('anuncio/&lt;</a:t>
+            </a:r>
+            <a:r>
+              <a:rPr lang="es-AR" sz="1050" b="1" dirty="0" err="1"/>
+              <a:t>pk</a:t>
+            </a:r>
+            <a:r>
+              <a:rPr lang="es-AR" sz="1050" b="1" dirty="0"/>
+              <a:t>&gt;/</a:t>
+            </a:r>
+            <a:r>
+              <a:rPr lang="es-AR" sz="1050" b="1" dirty="0" err="1"/>
+              <a:t>update</a:t>
+            </a:r>
+            <a:r>
+              <a:rPr lang="es-AR" sz="1050" b="1" dirty="0"/>
+              <a:t>', </a:t>
+            </a:r>
+            <a:r>
+              <a:rPr lang="es-AR" sz="1050" b="1" dirty="0" err="1"/>
+              <a:t>AnuncioUpdateView.as_view</a:t>
+            </a:r>
+            <a:r>
+              <a:rPr lang="es-AR" sz="1050" b="1" dirty="0"/>
+              <a:t>(), </a:t>
+            </a:r>
+            <a:r>
+              <a:rPr lang="es-AR" sz="1050" b="1" dirty="0" err="1"/>
+              <a:t>name</a:t>
+            </a:r>
+            <a:r>
+              <a:rPr lang="es-AR" sz="1050" b="1" dirty="0"/>
+              <a:t> ="anuncio-</a:t>
+            </a:r>
+            <a:r>
+              <a:rPr lang="es-AR" sz="1050" b="1" dirty="0" err="1"/>
+              <a:t>update</a:t>
+            </a:r>
+            <a:r>
+              <a:rPr lang="es-AR" sz="1050" b="1" dirty="0"/>
+              <a:t>" )</a:t>
+            </a:r>
+          </a:p>
+          <a:p>
+            <a:r>
+              <a:rPr lang="es-AR" sz="1050" dirty="0">
+                <a:highlight>
+                  <a:srgbClr val="00FF00"/>
+                </a:highlight>
+              </a:rPr>
+              <a:t>Eliminar aviso.</a:t>
+            </a:r>
+          </a:p>
+          <a:p>
+            <a:r>
+              <a:rPr lang="es-AR" sz="1050" b="1" dirty="0" err="1"/>
+              <a:t>path</a:t>
+            </a:r>
+            <a:r>
+              <a:rPr lang="es-AR" sz="1050" b="1" dirty="0"/>
+              <a:t>('anuncio/&lt;</a:t>
+            </a:r>
+            <a:r>
+              <a:rPr lang="es-AR" sz="1050" b="1" dirty="0" err="1"/>
+              <a:t>pk</a:t>
+            </a:r>
+            <a:r>
+              <a:rPr lang="es-AR" sz="1050" b="1" dirty="0"/>
+              <a:t>&gt;/</a:t>
+            </a:r>
+            <a:r>
+              <a:rPr lang="es-AR" sz="1050" b="1" dirty="0" err="1"/>
+              <a:t>delete</a:t>
+            </a:r>
+            <a:r>
+              <a:rPr lang="es-AR" sz="1050" b="1" dirty="0"/>
+              <a:t>', </a:t>
+            </a:r>
+            <a:r>
+              <a:rPr lang="es-AR" sz="1050" b="1" dirty="0" err="1"/>
+              <a:t>AnuncioDeleteView.as_view</a:t>
+            </a:r>
+            <a:r>
+              <a:rPr lang="es-AR" sz="1050" b="1" dirty="0"/>
+              <a:t>(), </a:t>
+            </a:r>
+            <a:r>
+              <a:rPr lang="es-AR" sz="1050" b="1" dirty="0" err="1"/>
+              <a:t>name</a:t>
+            </a:r>
+            <a:r>
+              <a:rPr lang="es-AR" sz="1050" b="1" dirty="0"/>
+              <a:t> ="anuncio-</a:t>
+            </a:r>
+            <a:r>
+              <a:rPr lang="es-AR" sz="1050" b="1" dirty="0" err="1"/>
+              <a:t>delete</a:t>
+            </a:r>
+            <a:r>
+              <a:rPr lang="es-AR" sz="1050" b="1" dirty="0"/>
+              <a:t>" )</a:t>
+            </a:r>
+          </a:p>
+          <a:p>
+            <a:r>
+              <a:rPr lang="es-AR" sz="1050" b="1" u="sng" dirty="0" err="1"/>
+              <a:t>About</a:t>
+            </a:r>
+            <a:r>
+              <a:rPr lang="es-AR" sz="1050" b="1" u="sng" dirty="0"/>
+              <a:t> </a:t>
+            </a:r>
+            <a:r>
+              <a:rPr lang="es-AR" sz="1050" b="1" u="sng" dirty="0" err="1"/>
+              <a:t>us</a:t>
+            </a:r>
+            <a:endParaRPr lang="es-AR" sz="1050" b="1" u="sng" dirty="0"/>
+          </a:p>
+          <a:p>
+            <a:r>
+              <a:rPr lang="es-AR" sz="1050" dirty="0" err="1"/>
+              <a:t>Descripcion</a:t>
+            </a:r>
+            <a:r>
+              <a:rPr lang="es-AR" sz="1050" dirty="0"/>
+              <a:t> de los autores del sitio  </a:t>
+            </a:r>
+            <a:r>
+              <a:rPr lang="es-AR" sz="1050" dirty="0">
+                <a:highlight>
+                  <a:srgbClr val="FFFF00"/>
+                </a:highlight>
+              </a:rPr>
+              <a:t>Desarrollar texto.</a:t>
+            </a:r>
+          </a:p>
+          <a:p>
+            <a:r>
+              <a:rPr lang="en-US" sz="1050" b="1" dirty="0"/>
+              <a:t>path('about/', </a:t>
+            </a:r>
+            <a:r>
+              <a:rPr lang="en-US" sz="1050" b="1" dirty="0" err="1"/>
+              <a:t>About.as_view</a:t>
+            </a:r>
+            <a:r>
+              <a:rPr lang="en-US" sz="1050" b="1" dirty="0"/>
+              <a:t>(), name="about")</a:t>
+            </a:r>
+            <a:endParaRPr lang="es-AR" sz="1050" b="1" dirty="0"/>
+          </a:p>
+          <a:p>
+            <a:endParaRPr lang="es-AR" sz="1050" dirty="0"/>
+          </a:p>
+          <a:p>
+            <a:r>
+              <a:rPr lang="es-AR" sz="1050" b="1" u="sng" dirty="0"/>
+              <a:t>Contacto</a:t>
+            </a:r>
+          </a:p>
+          <a:p>
+            <a:r>
+              <a:rPr lang="es-AR" sz="1050" dirty="0"/>
+              <a:t>Planilla de contacto </a:t>
+            </a:r>
+            <a:r>
+              <a:rPr lang="es-AR" sz="1050" dirty="0">
                 <a:highlight>
                   <a:srgbClr val="00FF00"/>
                 </a:highlight>
@@ -4220,186 +4825,34 @@
           </a:p>
           <a:p>
             <a:r>
-              <a:rPr lang="es-AR" sz="1200" dirty="0" err="1"/>
-              <a:t>About</a:t>
-            </a:r>
-            <a:r>
-              <a:rPr lang="es-AR" sz="1200" dirty="0"/>
-              <a:t> </a:t>
-            </a:r>
-            <a:r>
-              <a:rPr lang="es-AR" sz="1200" dirty="0" err="1"/>
-              <a:t>us</a:t>
-            </a:r>
-            <a:r>
-              <a:rPr lang="es-AR" sz="1200" dirty="0"/>
-              <a:t>. </a:t>
-            </a:r>
-            <a:r>
-              <a:rPr lang="es-AR" sz="1200" dirty="0">
+              <a:rPr lang="pt-BR" sz="1050" dirty="0">
                 <a:highlight>
                   <a:srgbClr val="00FF00"/>
                 </a:highlight>
               </a:rPr>
-              <a:t>ok</a:t>
-            </a:r>
-            <a:endParaRPr lang="es-AR" sz="1200" dirty="0"/>
-          </a:p>
-          <a:p>
-            <a:endParaRPr lang="es-AR" sz="1200" dirty="0"/>
-          </a:p>
-          <a:p>
-            <a:r>
-              <a:rPr lang="es-AR" sz="1200" b="1" u="sng" dirty="0"/>
-              <a:t>Anuncio </a:t>
-            </a:r>
-          </a:p>
-          <a:p>
-            <a:r>
-              <a:rPr lang="es-AR" sz="1200" dirty="0"/>
-              <a:t>Ver detalle del servicio  </a:t>
-            </a:r>
-            <a:r>
-              <a:rPr lang="es-AR" sz="1200" dirty="0">
-                <a:highlight>
-                  <a:srgbClr val="FFFF00"/>
-                </a:highlight>
-              </a:rPr>
-              <a:t>acomodar formato.</a:t>
-            </a:r>
-          </a:p>
-          <a:p>
-            <a:endParaRPr lang="es-AR" sz="1200" dirty="0"/>
-          </a:p>
-          <a:p>
-            <a:endParaRPr lang="es-AR" sz="1200" dirty="0"/>
-          </a:p>
-          <a:p>
-            <a:r>
-              <a:rPr lang="es-AR" sz="1200" b="1" u="sng" dirty="0"/>
-              <a:t>Área de usuarios  (requiere </a:t>
-            </a:r>
-            <a:r>
-              <a:rPr lang="es-AR" sz="1200" b="1" u="sng" dirty="0" err="1"/>
-              <a:t>login</a:t>
-            </a:r>
-            <a:r>
-              <a:rPr lang="es-AR" sz="1200" b="1" u="sng" dirty="0"/>
-              <a:t>)</a:t>
-            </a:r>
-          </a:p>
-          <a:p>
-            <a:endParaRPr lang="es-AR" sz="1200" dirty="0"/>
-          </a:p>
-          <a:p>
-            <a:r>
-              <a:rPr lang="es-AR" sz="1200" dirty="0"/>
-              <a:t>Crear usuario</a:t>
-            </a:r>
-          </a:p>
-          <a:p>
-            <a:endParaRPr lang="es-AR" sz="1200" dirty="0"/>
-          </a:p>
-          <a:p>
-            <a:r>
-              <a:rPr lang="es-AR" sz="1200" dirty="0"/>
-              <a:t>Ver listado de usuarios (solo para administrador)</a:t>
-            </a:r>
-          </a:p>
-          <a:p>
-            <a:endParaRPr lang="es-AR" sz="1200" dirty="0"/>
-          </a:p>
-          <a:p>
-            <a:r>
-              <a:rPr lang="es-AR" sz="1200" dirty="0"/>
-              <a:t>Ver listado detallado de anuncios (administrador ve todo y proveedor solo sus anuncios)</a:t>
-            </a:r>
-          </a:p>
-          <a:p>
-            <a:endParaRPr lang="es-AR" sz="1200" dirty="0"/>
-          </a:p>
-          <a:p>
-            <a:r>
-              <a:rPr lang="es-AR" sz="1200" dirty="0"/>
-              <a:t>Ver detalle, modificar y eliminar usuario</a:t>
-            </a:r>
-          </a:p>
-          <a:p>
-            <a:endParaRPr lang="es-AR" sz="1200" dirty="0"/>
-          </a:p>
-          <a:p>
-            <a:r>
-              <a:rPr lang="es-AR" sz="1200" dirty="0"/>
-              <a:t>Crear aviso</a:t>
-            </a:r>
-          </a:p>
-          <a:p>
-            <a:r>
-              <a:rPr lang="es-AR" sz="1200" dirty="0"/>
-              <a:t>Modificar y eliminar aviso.</a:t>
-            </a:r>
-          </a:p>
-          <a:p>
-            <a:endParaRPr lang="es-AR" sz="1200" dirty="0"/>
-          </a:p>
-          <a:p>
-            <a:r>
-              <a:rPr lang="es-AR" sz="1200" b="1" u="sng" dirty="0" err="1"/>
-              <a:t>About</a:t>
-            </a:r>
-            <a:r>
-              <a:rPr lang="es-AR" sz="1200" b="1" u="sng" dirty="0"/>
-              <a:t> </a:t>
-            </a:r>
-            <a:r>
-              <a:rPr lang="es-AR" sz="1200" b="1" u="sng" dirty="0" err="1"/>
-              <a:t>us</a:t>
-            </a:r>
-            <a:endParaRPr lang="es-AR" sz="1200" b="1" u="sng" dirty="0"/>
-          </a:p>
-          <a:p>
-            <a:r>
-              <a:rPr lang="es-AR" sz="1200" dirty="0" err="1"/>
-              <a:t>Descripcion</a:t>
-            </a:r>
-            <a:r>
-              <a:rPr lang="es-AR" sz="1200" dirty="0"/>
-              <a:t> de los autores del sitio  </a:t>
-            </a:r>
-            <a:r>
-              <a:rPr lang="es-AR" sz="1200" dirty="0">
-                <a:highlight>
-                  <a:srgbClr val="FFFF00"/>
-                </a:highlight>
-              </a:rPr>
-              <a:t>Desarrollar texto.</a:t>
-            </a:r>
-          </a:p>
-          <a:p>
-            <a:endParaRPr lang="es-AR" sz="1200" dirty="0"/>
-          </a:p>
-          <a:p>
-            <a:endParaRPr lang="es-AR" sz="1200" dirty="0"/>
-          </a:p>
-          <a:p>
-            <a:r>
-              <a:rPr lang="es-AR" sz="1200" b="1" u="sng" dirty="0"/>
-              <a:t>Contacto</a:t>
-            </a:r>
-          </a:p>
-          <a:p>
-            <a:r>
-              <a:rPr lang="es-AR" sz="1200" dirty="0"/>
-              <a:t>Planilla de contacto </a:t>
-            </a:r>
-            <a:r>
-              <a:rPr lang="es-AR" sz="1200" dirty="0">
+              <a:t>path('contacto/', contacto, </a:t>
+            </a:r>
+            <a:r>
+              <a:rPr lang="pt-BR" sz="1050" dirty="0" err="1">
                 <a:highlight>
                   <a:srgbClr val="00FF00"/>
                 </a:highlight>
               </a:rPr>
-              <a:t>ok</a:t>
-            </a:r>
+              <a:t>name</a:t>
+            </a:r>
+            <a:r>
+              <a:rPr lang="pt-BR" sz="1050" dirty="0">
+                <a:highlight>
+                  <a:srgbClr val="00FF00"/>
+                </a:highlight>
+              </a:rPr>
+              <a:t>="contacto")</a:t>
+            </a:r>
+            <a:endParaRPr lang="es-AR" sz="1050" dirty="0">
+              <a:highlight>
+                <a:srgbClr val="00FF00"/>
+              </a:highlight>
+            </a:endParaRPr>
           </a:p>
         </p:txBody>
       </p:sp>
